--- a/figs/eeg.pptx
+++ b/figs/eeg.pptx
@@ -4,10 +4,15 @@
   <p:sldMasterIdLst>
     <p:sldMasterId id="2147483648" r:id="rId1"/>
   </p:sldMasterIdLst>
+  <p:notesMasterIdLst>
+    <p:notesMasterId r:id="rId7"/>
+  </p:notesMasterIdLst>
   <p:sldIdLst>
     <p:sldId id="256" r:id="rId2"/>
     <p:sldId id="257" r:id="rId3"/>
     <p:sldId id="258" r:id="rId4"/>
+    <p:sldId id="259" r:id="rId5"/>
+    <p:sldId id="648" r:id="rId6"/>
   </p:sldIdLst>
   <p:sldSz cx="12192000" cy="6858000"/>
   <p:notesSz cx="6858000" cy="9144000"/>
@@ -175,6 +180,442 @@
 </pc:chgInfo>
 </file>
 
+<file path=ppt/notesMasters/notesMaster1.xml><?xml version="1.0" encoding="utf-8"?>
+<p:notesMaster xmlns:a="http://schemas.openxmlformats.org/drawingml/2006/main" xmlns:r="http://schemas.openxmlformats.org/officeDocument/2006/relationships" xmlns:p="http://schemas.openxmlformats.org/presentationml/2006/main">
+  <p:cSld>
+    <p:bg>
+      <p:bgRef idx="1001">
+        <a:schemeClr val="bg1"/>
+      </p:bgRef>
+    </p:bg>
+    <p:spTree>
+      <p:nvGrpSpPr>
+        <p:cNvPr id="1" name=""/>
+        <p:cNvGrpSpPr/>
+        <p:nvPr/>
+      </p:nvGrpSpPr>
+      <p:grpSpPr>
+        <a:xfrm>
+          <a:off x="0" y="0"/>
+          <a:ext cx="0" cy="0"/>
+          <a:chOff x="0" y="0"/>
+          <a:chExt cx="0" cy="0"/>
+        </a:xfrm>
+      </p:grpSpPr>
+      <p:sp>
+        <p:nvSpPr>
+          <p:cNvPr id="2" name="页眉占位符 1"/>
+          <p:cNvSpPr>
+            <a:spLocks noGrp="1"/>
+          </p:cNvSpPr>
+          <p:nvPr>
+            <p:ph type="hdr" sz="quarter"/>
+          </p:nvPr>
+        </p:nvSpPr>
+        <p:spPr>
+          <a:xfrm>
+            <a:off x="0" y="0"/>
+            <a:ext cx="2971800" cy="458788"/>
+          </a:xfrm>
+          <a:prstGeom prst="rect">
+            <a:avLst/>
+          </a:prstGeom>
+        </p:spPr>
+        <p:txBody>
+          <a:bodyPr vert="horz" lIns="91440" tIns="45720" rIns="91440" bIns="45720" rtlCol="0"/>
+          <a:lstStyle>
+            <a:lvl1pPr algn="l">
+              <a:defRPr sz="1200"/>
+            </a:lvl1pPr>
+          </a:lstStyle>
+          <a:p>
+            <a:endParaRPr lang="zh-CN" altLang="en-US"/>
+          </a:p>
+        </p:txBody>
+      </p:sp>
+      <p:sp>
+        <p:nvSpPr>
+          <p:cNvPr id="3" name="日期占位符 2"/>
+          <p:cNvSpPr>
+            <a:spLocks noGrp="1"/>
+          </p:cNvSpPr>
+          <p:nvPr>
+            <p:ph type="dt" idx="1"/>
+          </p:nvPr>
+        </p:nvSpPr>
+        <p:spPr>
+          <a:xfrm>
+            <a:off x="3884613" y="0"/>
+            <a:ext cx="2971800" cy="458788"/>
+          </a:xfrm>
+          <a:prstGeom prst="rect">
+            <a:avLst/>
+          </a:prstGeom>
+        </p:spPr>
+        <p:txBody>
+          <a:bodyPr vert="horz" lIns="91440" tIns="45720" rIns="91440" bIns="45720" rtlCol="0"/>
+          <a:lstStyle>
+            <a:lvl1pPr algn="r">
+              <a:defRPr sz="1200"/>
+            </a:lvl1pPr>
+          </a:lstStyle>
+          <a:p>
+            <a:fld id="{7716EB35-5837-4499-A980-F313EC010FA2}" type="datetimeFigureOut">
+              <a:rPr lang="zh-CN" altLang="en-US" smtClean="0"/>
+              <a:t>2023/6/1</a:t>
+            </a:fld>
+            <a:endParaRPr lang="zh-CN" altLang="en-US"/>
+          </a:p>
+        </p:txBody>
+      </p:sp>
+      <p:sp>
+        <p:nvSpPr>
+          <p:cNvPr id="4" name="幻灯片图像占位符 3"/>
+          <p:cNvSpPr>
+            <a:spLocks noGrp="1" noRot="1" noChangeAspect="1"/>
+          </p:cNvSpPr>
+          <p:nvPr>
+            <p:ph type="sldImg" idx="2"/>
+          </p:nvPr>
+        </p:nvSpPr>
+        <p:spPr>
+          <a:xfrm>
+            <a:off x="685800" y="1143000"/>
+            <a:ext cx="5486400" cy="3086100"/>
+          </a:xfrm>
+          <a:prstGeom prst="rect">
+            <a:avLst/>
+          </a:prstGeom>
+          <a:noFill/>
+          <a:ln w="12700">
+            <a:solidFill>
+              <a:prstClr val="black"/>
+            </a:solidFill>
+          </a:ln>
+        </p:spPr>
+        <p:txBody>
+          <a:bodyPr vert="horz" lIns="91440" tIns="45720" rIns="91440" bIns="45720" rtlCol="0" anchor="ctr"/>
+          <a:lstStyle/>
+          <a:p>
+            <a:endParaRPr lang="zh-CN" altLang="en-US"/>
+          </a:p>
+        </p:txBody>
+      </p:sp>
+      <p:sp>
+        <p:nvSpPr>
+          <p:cNvPr id="5" name="备注占位符 4"/>
+          <p:cNvSpPr>
+            <a:spLocks noGrp="1"/>
+          </p:cNvSpPr>
+          <p:nvPr>
+            <p:ph type="body" sz="quarter" idx="3"/>
+          </p:nvPr>
+        </p:nvSpPr>
+        <p:spPr>
+          <a:xfrm>
+            <a:off x="685800" y="4400550"/>
+            <a:ext cx="5486400" cy="3600450"/>
+          </a:xfrm>
+          <a:prstGeom prst="rect">
+            <a:avLst/>
+          </a:prstGeom>
+        </p:spPr>
+        <p:txBody>
+          <a:bodyPr vert="horz" lIns="91440" tIns="45720" rIns="91440" bIns="45720" rtlCol="0"/>
+          <a:lstStyle/>
+          <a:p>
+            <a:pPr lvl="0"/>
+            <a:r>
+              <a:rPr lang="zh-CN" altLang="en-US"/>
+              <a:t>单击此处编辑母版文本样式</a:t>
+            </a:r>
+          </a:p>
+          <a:p>
+            <a:pPr lvl="1"/>
+            <a:r>
+              <a:rPr lang="zh-CN" altLang="en-US"/>
+              <a:t>二级</a:t>
+            </a:r>
+          </a:p>
+          <a:p>
+            <a:pPr lvl="2"/>
+            <a:r>
+              <a:rPr lang="zh-CN" altLang="en-US"/>
+              <a:t>三级</a:t>
+            </a:r>
+          </a:p>
+          <a:p>
+            <a:pPr lvl="3"/>
+            <a:r>
+              <a:rPr lang="zh-CN" altLang="en-US"/>
+              <a:t>四级</a:t>
+            </a:r>
+          </a:p>
+          <a:p>
+            <a:pPr lvl="4"/>
+            <a:r>
+              <a:rPr lang="zh-CN" altLang="en-US"/>
+              <a:t>五级</a:t>
+            </a:r>
+          </a:p>
+        </p:txBody>
+      </p:sp>
+      <p:sp>
+        <p:nvSpPr>
+          <p:cNvPr id="6" name="页脚占位符 5"/>
+          <p:cNvSpPr>
+            <a:spLocks noGrp="1"/>
+          </p:cNvSpPr>
+          <p:nvPr>
+            <p:ph type="ftr" sz="quarter" idx="4"/>
+          </p:nvPr>
+        </p:nvSpPr>
+        <p:spPr>
+          <a:xfrm>
+            <a:off x="0" y="8685213"/>
+            <a:ext cx="2971800" cy="458787"/>
+          </a:xfrm>
+          <a:prstGeom prst="rect">
+            <a:avLst/>
+          </a:prstGeom>
+        </p:spPr>
+        <p:txBody>
+          <a:bodyPr vert="horz" lIns="91440" tIns="45720" rIns="91440" bIns="45720" rtlCol="0" anchor="b"/>
+          <a:lstStyle>
+            <a:lvl1pPr algn="l">
+              <a:defRPr sz="1200"/>
+            </a:lvl1pPr>
+          </a:lstStyle>
+          <a:p>
+            <a:endParaRPr lang="zh-CN" altLang="en-US"/>
+          </a:p>
+        </p:txBody>
+      </p:sp>
+      <p:sp>
+        <p:nvSpPr>
+          <p:cNvPr id="7" name="灯片编号占位符 6"/>
+          <p:cNvSpPr>
+            <a:spLocks noGrp="1"/>
+          </p:cNvSpPr>
+          <p:nvPr>
+            <p:ph type="sldNum" sz="quarter" idx="5"/>
+          </p:nvPr>
+        </p:nvSpPr>
+        <p:spPr>
+          <a:xfrm>
+            <a:off x="3884613" y="8685213"/>
+            <a:ext cx="2971800" cy="458787"/>
+          </a:xfrm>
+          <a:prstGeom prst="rect">
+            <a:avLst/>
+          </a:prstGeom>
+        </p:spPr>
+        <p:txBody>
+          <a:bodyPr vert="horz" lIns="91440" tIns="45720" rIns="91440" bIns="45720" rtlCol="0" anchor="b"/>
+          <a:lstStyle>
+            <a:lvl1pPr algn="r">
+              <a:defRPr sz="1200"/>
+            </a:lvl1pPr>
+          </a:lstStyle>
+          <a:p>
+            <a:fld id="{F05DBF04-6A5E-47F4-B893-DC2A3FCE2FE0}" type="slidenum">
+              <a:rPr lang="zh-CN" altLang="en-US" smtClean="0"/>
+              <a:t>‹#›</a:t>
+            </a:fld>
+            <a:endParaRPr lang="zh-CN" altLang="en-US"/>
+          </a:p>
+        </p:txBody>
+      </p:sp>
+    </p:spTree>
+    <p:extLst>
+      <p:ext uri="{BB962C8B-B14F-4D97-AF65-F5344CB8AC3E}">
+        <p14:creationId xmlns:p14="http://schemas.microsoft.com/office/powerpoint/2010/main" val="1756163434"/>
+      </p:ext>
+    </p:extLst>
+  </p:cSld>
+  <p:clrMap bg1="lt1" tx1="dk1" bg2="lt2" tx2="dk2" accent1="accent1" accent2="accent2" accent3="accent3" accent4="accent4" accent5="accent5" accent6="accent6" hlink="hlink" folHlink="folHlink"/>
+  <p:notesStyle>
+    <a:lvl1pPr marL="0" algn="l" defTabSz="914400" rtl="0" eaLnBrk="1" latinLnBrk="0" hangingPunct="1">
+      <a:defRPr sz="1200" kern="1200">
+        <a:solidFill>
+          <a:schemeClr val="tx1"/>
+        </a:solidFill>
+        <a:latin typeface="+mn-lt"/>
+        <a:ea typeface="+mn-ea"/>
+        <a:cs typeface="+mn-cs"/>
+      </a:defRPr>
+    </a:lvl1pPr>
+    <a:lvl2pPr marL="457200" algn="l" defTabSz="914400" rtl="0" eaLnBrk="1" latinLnBrk="0" hangingPunct="1">
+      <a:defRPr sz="1200" kern="1200">
+        <a:solidFill>
+          <a:schemeClr val="tx1"/>
+        </a:solidFill>
+        <a:latin typeface="+mn-lt"/>
+        <a:ea typeface="+mn-ea"/>
+        <a:cs typeface="+mn-cs"/>
+      </a:defRPr>
+    </a:lvl2pPr>
+    <a:lvl3pPr marL="914400" algn="l" defTabSz="914400" rtl="0" eaLnBrk="1" latinLnBrk="0" hangingPunct="1">
+      <a:defRPr sz="1200" kern="1200">
+        <a:solidFill>
+          <a:schemeClr val="tx1"/>
+        </a:solidFill>
+        <a:latin typeface="+mn-lt"/>
+        <a:ea typeface="+mn-ea"/>
+        <a:cs typeface="+mn-cs"/>
+      </a:defRPr>
+    </a:lvl3pPr>
+    <a:lvl4pPr marL="1371600" algn="l" defTabSz="914400" rtl="0" eaLnBrk="1" latinLnBrk="0" hangingPunct="1">
+      <a:defRPr sz="1200" kern="1200">
+        <a:solidFill>
+          <a:schemeClr val="tx1"/>
+        </a:solidFill>
+        <a:latin typeface="+mn-lt"/>
+        <a:ea typeface="+mn-ea"/>
+        <a:cs typeface="+mn-cs"/>
+      </a:defRPr>
+    </a:lvl4pPr>
+    <a:lvl5pPr marL="1828800" algn="l" defTabSz="914400" rtl="0" eaLnBrk="1" latinLnBrk="0" hangingPunct="1">
+      <a:defRPr sz="1200" kern="1200">
+        <a:solidFill>
+          <a:schemeClr val="tx1"/>
+        </a:solidFill>
+        <a:latin typeface="+mn-lt"/>
+        <a:ea typeface="+mn-ea"/>
+        <a:cs typeface="+mn-cs"/>
+      </a:defRPr>
+    </a:lvl5pPr>
+    <a:lvl6pPr marL="2286000" algn="l" defTabSz="914400" rtl="0" eaLnBrk="1" latinLnBrk="0" hangingPunct="1">
+      <a:defRPr sz="1200" kern="1200">
+        <a:solidFill>
+          <a:schemeClr val="tx1"/>
+        </a:solidFill>
+        <a:latin typeface="+mn-lt"/>
+        <a:ea typeface="+mn-ea"/>
+        <a:cs typeface="+mn-cs"/>
+      </a:defRPr>
+    </a:lvl6pPr>
+    <a:lvl7pPr marL="2743200" algn="l" defTabSz="914400" rtl="0" eaLnBrk="1" latinLnBrk="0" hangingPunct="1">
+      <a:defRPr sz="1200" kern="1200">
+        <a:solidFill>
+          <a:schemeClr val="tx1"/>
+        </a:solidFill>
+        <a:latin typeface="+mn-lt"/>
+        <a:ea typeface="+mn-ea"/>
+        <a:cs typeface="+mn-cs"/>
+      </a:defRPr>
+    </a:lvl7pPr>
+    <a:lvl8pPr marL="3200400" algn="l" defTabSz="914400" rtl="0" eaLnBrk="1" latinLnBrk="0" hangingPunct="1">
+      <a:defRPr sz="1200" kern="1200">
+        <a:solidFill>
+          <a:schemeClr val="tx1"/>
+        </a:solidFill>
+        <a:latin typeface="+mn-lt"/>
+        <a:ea typeface="+mn-ea"/>
+        <a:cs typeface="+mn-cs"/>
+      </a:defRPr>
+    </a:lvl8pPr>
+    <a:lvl9pPr marL="3657600" algn="l" defTabSz="914400" rtl="0" eaLnBrk="1" latinLnBrk="0" hangingPunct="1">
+      <a:defRPr sz="1200" kern="1200">
+        <a:solidFill>
+          <a:schemeClr val="tx1"/>
+        </a:solidFill>
+        <a:latin typeface="+mn-lt"/>
+        <a:ea typeface="+mn-ea"/>
+        <a:cs typeface="+mn-cs"/>
+      </a:defRPr>
+    </a:lvl9pPr>
+  </p:notesStyle>
+</p:notesMaster>
+</file>
+
+<file path=ppt/notesSlides/notesSlide1.xml><?xml version="1.0" encoding="utf-8"?>
+<p:notes xmlns:a="http://schemas.openxmlformats.org/drawingml/2006/main" xmlns:r="http://schemas.openxmlformats.org/officeDocument/2006/relationships" xmlns:p="http://schemas.openxmlformats.org/presentationml/2006/main">
+  <p:cSld>
+    <p:spTree>
+      <p:nvGrpSpPr>
+        <p:cNvPr id="1" name=""/>
+        <p:cNvGrpSpPr/>
+        <p:nvPr/>
+      </p:nvGrpSpPr>
+      <p:grpSpPr>
+        <a:xfrm>
+          <a:off x="0" y="0"/>
+          <a:ext cx="0" cy="0"/>
+          <a:chOff x="0" y="0"/>
+          <a:chExt cx="0" cy="0"/>
+        </a:xfrm>
+      </p:grpSpPr>
+      <p:sp>
+        <p:nvSpPr>
+          <p:cNvPr id="2" name="幻灯片图像占位符 1"/>
+          <p:cNvSpPr>
+            <a:spLocks noGrp="1" noRot="1" noChangeAspect="1"/>
+          </p:cNvSpPr>
+          <p:nvPr>
+            <p:ph type="sldImg"/>
+          </p:nvPr>
+        </p:nvSpPr>
+        <p:spPr/>
+      </p:sp>
+      <p:sp>
+        <p:nvSpPr>
+          <p:cNvPr id="3" name="备注占位符 2"/>
+          <p:cNvSpPr>
+            <a:spLocks noGrp="1"/>
+          </p:cNvSpPr>
+          <p:nvPr>
+            <p:ph type="body" idx="1"/>
+          </p:nvPr>
+        </p:nvSpPr>
+        <p:spPr/>
+        <p:txBody>
+          <a:bodyPr/>
+          <a:lstStyle/>
+          <a:p>
+            <a:r>
+              <a:rPr lang="zh-CN" altLang="zh-CN" sz="1800" dirty="0">
+                <a:effectLst/>
+                <a:ea typeface="等线" panose="02010600030101010101" pitchFamily="2" charset="-122"/>
+                <a:cs typeface="Times New Roman" panose="02020603050405020304" pitchFamily="18" charset="0"/>
+              </a:rPr>
+              <a:t>网络结构的节点和边不仅仅代表了结构上的空间拓扑信息，节点间的连接和交互更是体现了不同单元间的功能联系</a:t>
+            </a:r>
+            <a:endParaRPr lang="zh-CN" altLang="en-US" dirty="0"/>
+          </a:p>
+        </p:txBody>
+      </p:sp>
+      <p:sp>
+        <p:nvSpPr>
+          <p:cNvPr id="4" name="灯片编号占位符 3"/>
+          <p:cNvSpPr>
+            <a:spLocks noGrp="1"/>
+          </p:cNvSpPr>
+          <p:nvPr>
+            <p:ph type="sldNum" sz="quarter" idx="5"/>
+          </p:nvPr>
+        </p:nvSpPr>
+        <p:spPr/>
+        <p:txBody>
+          <a:bodyPr/>
+          <a:lstStyle/>
+          <a:p>
+            <a:fld id="{C2A75D99-2AE7-49F1-BB03-59E2BF5579C1}" type="slidenum">
+              <a:rPr lang="zh-CN" altLang="en-US" smtClean="0"/>
+              <a:t>5</a:t>
+            </a:fld>
+            <a:endParaRPr lang="zh-CN" altLang="en-US"/>
+          </a:p>
+        </p:txBody>
+      </p:sp>
+    </p:spTree>
+  </p:cSld>
+  <p:clrMapOvr>
+    <a:masterClrMapping/>
+  </p:clrMapOvr>
+</p:notes>
+</file>
+
 <file path=ppt/slideLayouts/slideLayout1.xml><?xml version="1.0" encoding="utf-8"?>
 <p:sldLayout xmlns:a="http://schemas.openxmlformats.org/drawingml/2006/main" xmlns:r="http://schemas.openxmlformats.org/officeDocument/2006/relationships" xmlns:p="http://schemas.openxmlformats.org/presentationml/2006/main" type="title" preserve="1">
   <p:cSld name="标题幻灯片">
@@ -322,7 +763,7 @@
           <a:p>
             <a:fld id="{5A214619-CC5E-4069-9364-F1968EA4341A}" type="datetimeFigureOut">
               <a:rPr lang="zh-CN" altLang="en-US" smtClean="0"/>
-              <a:t>2023/5/28</a:t>
+              <a:t>2023/6/1</a:t>
             </a:fld>
             <a:endParaRPr lang="zh-CN" altLang="en-US"/>
           </a:p>
@@ -520,7 +961,7 @@
           <a:p>
             <a:fld id="{5A214619-CC5E-4069-9364-F1968EA4341A}" type="datetimeFigureOut">
               <a:rPr lang="zh-CN" altLang="en-US" smtClean="0"/>
-              <a:t>2023/5/28</a:t>
+              <a:t>2023/6/1</a:t>
             </a:fld>
             <a:endParaRPr lang="zh-CN" altLang="en-US"/>
           </a:p>
@@ -728,7 +1169,7 @@
           <a:p>
             <a:fld id="{5A214619-CC5E-4069-9364-F1968EA4341A}" type="datetimeFigureOut">
               <a:rPr lang="zh-CN" altLang="en-US" smtClean="0"/>
-              <a:t>2023/5/28</a:t>
+              <a:t>2023/6/1</a:t>
             </a:fld>
             <a:endParaRPr lang="zh-CN" altLang="en-US"/>
           </a:p>
@@ -792,6 +1233,228 @@
     <p:extLst>
       <p:ext uri="{BB962C8B-B14F-4D97-AF65-F5344CB8AC3E}">
         <p14:creationId xmlns:p14="http://schemas.microsoft.com/office/powerpoint/2010/main" val="2201373472"/>
+      </p:ext>
+    </p:extLst>
+  </p:cSld>
+  <p:clrMapOvr>
+    <a:masterClrMapping/>
+  </p:clrMapOvr>
+</p:sldLayout>
+</file>
+
+<file path=ppt/slideLayouts/slideLayout12.xml><?xml version="1.0" encoding="utf-8"?>
+<p:sldLayout xmlns:a="http://schemas.openxmlformats.org/drawingml/2006/main" xmlns:r="http://schemas.openxmlformats.org/officeDocument/2006/relationships" xmlns:p="http://schemas.openxmlformats.org/presentationml/2006/main" userDrawn="1">
+  <p:cSld name="内容页-标题">
+    <p:spTree>
+      <p:nvGrpSpPr>
+        <p:cNvPr id="1" name=""/>
+        <p:cNvGrpSpPr/>
+        <p:nvPr/>
+      </p:nvGrpSpPr>
+      <p:grpSpPr>
+        <a:xfrm>
+          <a:off x="0" y="0"/>
+          <a:ext cx="0" cy="0"/>
+          <a:chOff x="0" y="0"/>
+          <a:chExt cx="0" cy="0"/>
+        </a:xfrm>
+      </p:grpSpPr>
+      <p:sp>
+        <p:nvSpPr>
+          <p:cNvPr id="176" name="标题 1"/>
+          <p:cNvSpPr>
+            <a:spLocks noGrp="1"/>
+          </p:cNvSpPr>
+          <p:nvPr>
+            <p:ph type="title" hasCustomPrompt="1"/>
+          </p:nvPr>
+        </p:nvSpPr>
+        <p:spPr>
+          <a:xfrm>
+            <a:off x="442913" y="114029"/>
+            <a:ext cx="9056851" cy="617518"/>
+          </a:xfrm>
+        </p:spPr>
+        <p:txBody>
+          <a:bodyPr>
+            <a:normAutofit/>
+          </a:bodyPr>
+          <a:lstStyle>
+            <a:lvl1pPr algn="l" defTabSz="914400" rtl="0" eaLnBrk="1" latinLnBrk="0" hangingPunct="1">
+              <a:lnSpc>
+                <a:spcPct val="90000"/>
+              </a:lnSpc>
+              <a:spcBef>
+                <a:spcPct val="0"/>
+              </a:spcBef>
+              <a:buNone/>
+              <a:defRPr lang="zh-CN" altLang="en-US" sz="2400" b="1" kern="1200" baseline="0" dirty="0">
+                <a:solidFill>
+                  <a:schemeClr val="accent1"/>
+                </a:solidFill>
+                <a:latin typeface="Arial" panose="020B0604020202020204" pitchFamily="34" charset="0"/>
+                <a:ea typeface="微软雅黑" panose="020B0504020202020204" pitchFamily="34" charset="-122"/>
+                <a:cs typeface="+mn-ea"/>
+              </a:defRPr>
+            </a:lvl1pPr>
+          </a:lstStyle>
+          <a:p>
+            <a:r>
+              <a:rPr lang="en-US" altLang="zh-CN" dirty="0"/>
+              <a:t>X.X  </a:t>
+            </a:r>
+            <a:r>
+              <a:rPr lang="zh-CN" altLang="en-US" dirty="0"/>
+              <a:t>单击此处输入标题</a:t>
+            </a:r>
+          </a:p>
+        </p:txBody>
+      </p:sp>
+      <p:grpSp>
+        <p:nvGrpSpPr>
+          <p:cNvPr id="177" name="组合 176"/>
+          <p:cNvGrpSpPr/>
+          <p:nvPr userDrawn="1"/>
+        </p:nvGrpSpPr>
+        <p:grpSpPr>
+          <a:xfrm>
+            <a:off x="528706" y="738450"/>
+            <a:ext cx="2433027" cy="0"/>
+            <a:chOff x="7460343" y="1311756"/>
+            <a:chExt cx="2433027" cy="0"/>
+          </a:xfrm>
+        </p:grpSpPr>
+        <p:cxnSp>
+          <p:nvCxnSpPr>
+            <p:cNvPr id="178" name="直接连接符 177"/>
+            <p:cNvCxnSpPr/>
+            <p:nvPr/>
+          </p:nvCxnSpPr>
+          <p:spPr>
+            <a:xfrm>
+              <a:off x="7460343" y="1311756"/>
+              <a:ext cx="2433027" cy="0"/>
+            </a:xfrm>
+            <a:prstGeom prst="line">
+              <a:avLst/>
+            </a:prstGeom>
+            <a:ln>
+              <a:solidFill>
+                <a:schemeClr val="bg1">
+                  <a:lumMod val="65000"/>
+                </a:schemeClr>
+              </a:solidFill>
+            </a:ln>
+          </p:spPr>
+          <p:style>
+            <a:lnRef idx="1">
+              <a:schemeClr val="accent1"/>
+            </a:lnRef>
+            <a:fillRef idx="0">
+              <a:schemeClr val="accent1"/>
+            </a:fillRef>
+            <a:effectRef idx="0">
+              <a:schemeClr val="accent1"/>
+            </a:effectRef>
+            <a:fontRef idx="minor">
+              <a:schemeClr val="tx1"/>
+            </a:fontRef>
+          </p:style>
+        </p:cxnSp>
+        <p:cxnSp>
+          <p:nvCxnSpPr>
+            <p:cNvPr id="179" name="直接连接符 178"/>
+            <p:cNvCxnSpPr/>
+            <p:nvPr/>
+          </p:nvCxnSpPr>
+          <p:spPr>
+            <a:xfrm>
+              <a:off x="7460343" y="1311756"/>
+              <a:ext cx="589713" cy="0"/>
+            </a:xfrm>
+            <a:prstGeom prst="line">
+              <a:avLst/>
+            </a:prstGeom>
+            <a:ln w="38100">
+              <a:solidFill>
+                <a:schemeClr val="accent1"/>
+              </a:solidFill>
+            </a:ln>
+          </p:spPr>
+          <p:style>
+            <a:lnRef idx="1">
+              <a:schemeClr val="accent1"/>
+            </a:lnRef>
+            <a:fillRef idx="0">
+              <a:schemeClr val="accent1"/>
+            </a:fillRef>
+            <a:effectRef idx="0">
+              <a:schemeClr val="accent1"/>
+            </a:effectRef>
+            <a:fontRef idx="minor">
+              <a:schemeClr val="tx1"/>
+            </a:fontRef>
+          </p:style>
+        </p:cxnSp>
+      </p:grpSp>
+      <p:sp>
+        <p:nvSpPr>
+          <p:cNvPr id="61" name="灯片编号占位符 8"/>
+          <p:cNvSpPr>
+            <a:spLocks noGrp="1"/>
+          </p:cNvSpPr>
+          <p:nvPr>
+            <p:ph type="sldNum" sz="quarter" idx="4"/>
+          </p:nvPr>
+        </p:nvSpPr>
+        <p:spPr>
+          <a:xfrm>
+            <a:off x="9005791" y="6394353"/>
+            <a:ext cx="2743200" cy="292196"/>
+          </a:xfrm>
+          <a:prstGeom prst="rect">
+            <a:avLst/>
+          </a:prstGeom>
+        </p:spPr>
+        <p:txBody>
+          <a:bodyPr vert="horz" lIns="91440" tIns="45720" rIns="91440" bIns="45720" rtlCol="0" anchor="ctr"/>
+          <a:lstStyle>
+            <a:lvl1pPr algn="r">
+              <a:defRPr sz="1200">
+                <a:solidFill>
+                  <a:schemeClr val="tx1">
+                    <a:lumMod val="50000"/>
+                    <a:lumOff val="50000"/>
+                  </a:schemeClr>
+                </a:solidFill>
+              </a:defRPr>
+            </a:lvl1pPr>
+          </a:lstStyle>
+          <a:p>
+            <a:r>
+              <a:rPr lang="en-US" altLang="zh-CN" dirty="0"/>
+              <a:t>&lt; </a:t>
+            </a:r>
+            <a:fld id="{A548B57D-AE10-4CF7-A9DF-59FEFA91B28E}" type="slidenum">
+              <a:rPr lang="zh-CN" altLang="en-US" smtClean="0"/>
+              <a:t>‹#›</a:t>
+            </a:fld>
+            <a:r>
+              <a:rPr lang="zh-CN" altLang="en-US"/>
+              <a:t> </a:t>
+            </a:r>
+            <a:r>
+              <a:rPr lang="en-US" altLang="zh-CN" dirty="0"/>
+              <a:t>&gt;</a:t>
+            </a:r>
+            <a:endParaRPr lang="zh-CN" altLang="en-US" dirty="0"/>
+          </a:p>
+        </p:txBody>
+      </p:sp>
+    </p:spTree>
+    <p:extLst>
+      <p:ext uri="{BB962C8B-B14F-4D97-AF65-F5344CB8AC3E}">
+        <p14:creationId xmlns:p14="http://schemas.microsoft.com/office/powerpoint/2010/main" val="724132842"/>
       </p:ext>
     </p:extLst>
   </p:cSld>
@@ -926,7 +1589,7 @@
           <a:p>
             <a:fld id="{5A214619-CC5E-4069-9364-F1968EA4341A}" type="datetimeFigureOut">
               <a:rPr lang="zh-CN" altLang="en-US" smtClean="0"/>
-              <a:t>2023/5/28</a:t>
+              <a:t>2023/6/1</a:t>
             </a:fld>
             <a:endParaRPr lang="zh-CN" altLang="en-US"/>
           </a:p>
@@ -1201,7 +1864,7 @@
           <a:p>
             <a:fld id="{5A214619-CC5E-4069-9364-F1968EA4341A}" type="datetimeFigureOut">
               <a:rPr lang="zh-CN" altLang="en-US" smtClean="0"/>
-              <a:t>2023/5/28</a:t>
+              <a:t>2023/6/1</a:t>
             </a:fld>
             <a:endParaRPr lang="zh-CN" altLang="en-US"/>
           </a:p>
@@ -1466,7 +2129,7 @@
           <a:p>
             <a:fld id="{5A214619-CC5E-4069-9364-F1968EA4341A}" type="datetimeFigureOut">
               <a:rPr lang="zh-CN" altLang="en-US" smtClean="0"/>
-              <a:t>2023/5/28</a:t>
+              <a:t>2023/6/1</a:t>
             </a:fld>
             <a:endParaRPr lang="zh-CN" altLang="en-US"/>
           </a:p>
@@ -1878,7 +2541,7 @@
           <a:p>
             <a:fld id="{5A214619-CC5E-4069-9364-F1968EA4341A}" type="datetimeFigureOut">
               <a:rPr lang="zh-CN" altLang="en-US" smtClean="0"/>
-              <a:t>2023/5/28</a:t>
+              <a:t>2023/6/1</a:t>
             </a:fld>
             <a:endParaRPr lang="zh-CN" altLang="en-US"/>
           </a:p>
@@ -2019,7 +2682,7 @@
           <a:p>
             <a:fld id="{5A214619-CC5E-4069-9364-F1968EA4341A}" type="datetimeFigureOut">
               <a:rPr lang="zh-CN" altLang="en-US" smtClean="0"/>
-              <a:t>2023/5/28</a:t>
+              <a:t>2023/6/1</a:t>
             </a:fld>
             <a:endParaRPr lang="zh-CN" altLang="en-US"/>
           </a:p>
@@ -2132,7 +2795,7 @@
           <a:p>
             <a:fld id="{5A214619-CC5E-4069-9364-F1968EA4341A}" type="datetimeFigureOut">
               <a:rPr lang="zh-CN" altLang="en-US" smtClean="0"/>
-              <a:t>2023/5/28</a:t>
+              <a:t>2023/6/1</a:t>
             </a:fld>
             <a:endParaRPr lang="zh-CN" altLang="en-US"/>
           </a:p>
@@ -2443,7 +3106,7 @@
           <a:p>
             <a:fld id="{5A214619-CC5E-4069-9364-F1968EA4341A}" type="datetimeFigureOut">
               <a:rPr lang="zh-CN" altLang="en-US" smtClean="0"/>
-              <a:t>2023/5/28</a:t>
+              <a:t>2023/6/1</a:t>
             </a:fld>
             <a:endParaRPr lang="zh-CN" altLang="en-US"/>
           </a:p>
@@ -2731,7 +3394,7 @@
           <a:p>
             <a:fld id="{5A214619-CC5E-4069-9364-F1968EA4341A}" type="datetimeFigureOut">
               <a:rPr lang="zh-CN" altLang="en-US" smtClean="0"/>
-              <a:t>2023/5/28</a:t>
+              <a:t>2023/6/1</a:t>
             </a:fld>
             <a:endParaRPr lang="zh-CN" altLang="en-US"/>
           </a:p>
@@ -2972,7 +3635,7 @@
           <a:p>
             <a:fld id="{5A214619-CC5E-4069-9364-F1968EA4341A}" type="datetimeFigureOut">
               <a:rPr lang="zh-CN" altLang="en-US" smtClean="0"/>
-              <a:t>2023/5/28</a:t>
+              <a:t>2023/6/1</a:t>
             </a:fld>
             <a:endParaRPr lang="zh-CN" altLang="en-US"/>
           </a:p>
@@ -3088,6 +3751,7 @@
     <p:sldLayoutId id="2147483657" r:id="rId9"/>
     <p:sldLayoutId id="2147483658" r:id="rId10"/>
     <p:sldLayoutId id="2147483659" r:id="rId11"/>
+    <p:sldLayoutId id="2147483660" r:id="rId12"/>
   </p:sldLayoutIdLst>
   <p:txStyles>
     <p:titleStyle>
@@ -3411,7 +4075,7 @@
         </p:blipFill>
         <p:spPr>
           <a:xfrm>
-            <a:off x="124689" y="431221"/>
+            <a:off x="124689" y="1047748"/>
             <a:ext cx="5971311" cy="4478483"/>
           </a:xfrm>
           <a:prstGeom prst="rect">
@@ -3441,7 +4105,7 @@
         </p:blipFill>
         <p:spPr>
           <a:xfrm>
-            <a:off x="6352306" y="368877"/>
+            <a:off x="6352306" y="985404"/>
             <a:ext cx="5742709" cy="4307032"/>
           </a:xfrm>
           <a:prstGeom prst="rect">
@@ -3463,7 +4127,7 @@
         </p:nvSpPr>
         <p:spPr>
           <a:xfrm>
-            <a:off x="2341418" y="5056909"/>
+            <a:off x="2341418" y="5673436"/>
             <a:ext cx="1800493" cy="369332"/>
           </a:xfrm>
           <a:prstGeom prst="rect">
@@ -3498,7 +4162,7 @@
         </p:nvSpPr>
         <p:spPr>
           <a:xfrm>
-            <a:off x="8050091" y="5056909"/>
+            <a:off x="8050091" y="5673436"/>
             <a:ext cx="3182281" cy="369332"/>
           </a:xfrm>
           <a:prstGeom prst="rect">
@@ -3519,6 +4183,38 @@
             <a:r>
               <a:rPr lang="zh-CN" altLang="en-US" dirty="0"/>
               <a:t>带通滤波的频响曲线</a:t>
+            </a:r>
+          </a:p>
+        </p:txBody>
+      </p:sp>
+      <p:sp>
+        <p:nvSpPr>
+          <p:cNvPr id="2" name="标题 1">
+            <a:extLst>
+              <a:ext uri="{FF2B5EF4-FFF2-40B4-BE49-F238E27FC236}">
+                <a16:creationId xmlns:a16="http://schemas.microsoft.com/office/drawing/2014/main" id="{6C52DCB3-D132-84F8-AADC-83E7321D9224}"/>
+              </a:ext>
+            </a:extLst>
+          </p:cNvPr>
+          <p:cNvSpPr>
+            <a:spLocks noGrp="1"/>
+          </p:cNvSpPr>
+          <p:nvPr>
+            <p:ph type="title"/>
+          </p:nvPr>
+        </p:nvSpPr>
+        <p:spPr/>
+        <p:txBody>
+          <a:bodyPr/>
+          <a:lstStyle/>
+          <a:p>
+            <a:r>
+              <a:rPr lang="en-US" altLang="zh-CN" dirty="0"/>
+              <a:t>1 </a:t>
+            </a:r>
+            <a:r>
+              <a:rPr lang="zh-CN" altLang="en-US" dirty="0"/>
+              <a:t>预处理</a:t>
             </a:r>
           </a:p>
         </p:txBody>
@@ -3567,7 +4263,7 @@
         </p:nvSpPr>
         <p:spPr>
           <a:xfrm>
-            <a:off x="4648199" y="5320145"/>
+            <a:off x="4648199" y="5468606"/>
             <a:ext cx="3416320" cy="369332"/>
           </a:xfrm>
           <a:prstGeom prst="rect">
@@ -3602,7 +4298,7 @@
         </p:nvSpPr>
         <p:spPr>
           <a:xfrm>
-            <a:off x="2776839" y="6090248"/>
+            <a:off x="2776839" y="6238709"/>
             <a:ext cx="7359707" cy="369332"/>
           </a:xfrm>
           <a:prstGeom prst="rect">
@@ -3656,7 +4352,7 @@
         </p:blipFill>
         <p:spPr>
           <a:xfrm>
-            <a:off x="1926522" y="583086"/>
+            <a:off x="1926522" y="731547"/>
             <a:ext cx="8654246" cy="4737059"/>
           </a:xfrm>
           <a:prstGeom prst="rect">
@@ -3664,6 +4360,77 @@
           </a:prstGeom>
         </p:spPr>
       </p:pic>
+      <p:sp>
+        <p:nvSpPr>
+          <p:cNvPr id="5" name="标题 4">
+            <a:extLst>
+              <a:ext uri="{FF2B5EF4-FFF2-40B4-BE49-F238E27FC236}">
+                <a16:creationId xmlns:a16="http://schemas.microsoft.com/office/drawing/2014/main" id="{B8DFB3CF-750F-2969-7338-96482B647DEE}"/>
+              </a:ext>
+            </a:extLst>
+          </p:cNvPr>
+          <p:cNvSpPr>
+            <a:spLocks noGrp="1"/>
+          </p:cNvSpPr>
+          <p:nvPr>
+            <p:ph type="title"/>
+          </p:nvPr>
+        </p:nvSpPr>
+        <p:spPr/>
+        <p:txBody>
+          <a:bodyPr>
+            <a:normAutofit/>
+          </a:bodyPr>
+          <a:lstStyle/>
+          <a:p>
+            <a:r>
+              <a:rPr lang="en-US" altLang="zh-CN" dirty="0"/>
+              <a:t>2 5Hz</a:t>
+            </a:r>
+            <a:endParaRPr lang="zh-CN" altLang="en-US" dirty="0"/>
+          </a:p>
+        </p:txBody>
+      </p:sp>
+      <p:sp>
+        <p:nvSpPr>
+          <p:cNvPr id="8" name="文本框 7">
+            <a:extLst>
+              <a:ext uri="{FF2B5EF4-FFF2-40B4-BE49-F238E27FC236}">
+                <a16:creationId xmlns:a16="http://schemas.microsoft.com/office/drawing/2014/main" id="{1154CEC2-0025-8689-5DB3-3EF20525B175}"/>
+              </a:ext>
+            </a:extLst>
+          </p:cNvPr>
+          <p:cNvSpPr txBox="1"/>
+          <p:nvPr/>
+        </p:nvSpPr>
+        <p:spPr>
+          <a:xfrm>
+            <a:off x="540327" y="2175164"/>
+            <a:ext cx="889987" cy="369332"/>
+          </a:xfrm>
+          <a:prstGeom prst="rect">
+            <a:avLst/>
+          </a:prstGeom>
+          <a:noFill/>
+        </p:spPr>
+        <p:txBody>
+          <a:bodyPr wrap="none" rtlCol="0">
+            <a:spAutoFit/>
+          </a:bodyPr>
+          <a:lstStyle/>
+          <a:p>
+            <a:r>
+              <a:rPr lang="zh-CN" altLang="en-US" dirty="0"/>
+              <a:t>样本</a:t>
+            </a:r>
+            <a:r>
+              <a:rPr lang="en-US" altLang="zh-CN" dirty="0"/>
+              <a:t>20</a:t>
+            </a:r>
+            <a:endParaRPr lang="zh-CN" altLang="en-US" dirty="0"/>
+          </a:p>
+        </p:txBody>
+      </p:sp>
     </p:spTree>
     <p:extLst>
       <p:ext uri="{BB962C8B-B14F-4D97-AF65-F5344CB8AC3E}">
@@ -3777,12 +4544,427 @@
           </a:p>
         </p:txBody>
       </p:sp>
+      <p:sp>
+        <p:nvSpPr>
+          <p:cNvPr id="2" name="标题 1">
+            <a:extLst>
+              <a:ext uri="{FF2B5EF4-FFF2-40B4-BE49-F238E27FC236}">
+                <a16:creationId xmlns:a16="http://schemas.microsoft.com/office/drawing/2014/main" id="{B2448FEC-2233-6A63-E623-AA1E6E92A38D}"/>
+              </a:ext>
+            </a:extLst>
+          </p:cNvPr>
+          <p:cNvSpPr>
+            <a:spLocks noGrp="1"/>
+          </p:cNvSpPr>
+          <p:nvPr>
+            <p:ph type="title"/>
+          </p:nvPr>
+        </p:nvSpPr>
+        <p:spPr/>
+        <p:txBody>
+          <a:bodyPr/>
+          <a:lstStyle/>
+          <a:p>
+            <a:r>
+              <a:rPr lang="en-US" altLang="zh-CN" dirty="0"/>
+              <a:t>2 5Hz</a:t>
+            </a:r>
+            <a:endParaRPr lang="zh-CN" altLang="en-US" dirty="0"/>
+          </a:p>
+        </p:txBody>
+      </p:sp>
     </p:spTree>
     <p:extLst>
       <p:ext uri="{BB962C8B-B14F-4D97-AF65-F5344CB8AC3E}">
         <p14:creationId xmlns:p14="http://schemas.microsoft.com/office/powerpoint/2010/main" val="3618620830"/>
       </p:ext>
     </p:extLst>
+  </p:cSld>
+  <p:clrMapOvr>
+    <a:masterClrMapping/>
+  </p:clrMapOvr>
+</p:sld>
+</file>
+
+<file path=ppt/slides/slide4.xml><?xml version="1.0" encoding="utf-8"?>
+<p:sld xmlns:a="http://schemas.openxmlformats.org/drawingml/2006/main" xmlns:r="http://schemas.openxmlformats.org/officeDocument/2006/relationships" xmlns:p="http://schemas.openxmlformats.org/presentationml/2006/main">
+  <p:cSld>
+    <p:spTree>
+      <p:nvGrpSpPr>
+        <p:cNvPr id="1" name=""/>
+        <p:cNvGrpSpPr/>
+        <p:nvPr/>
+      </p:nvGrpSpPr>
+      <p:grpSpPr>
+        <a:xfrm>
+          <a:off x="0" y="0"/>
+          <a:ext cx="0" cy="0"/>
+          <a:chOff x="0" y="0"/>
+          <a:chExt cx="0" cy="0"/>
+        </a:xfrm>
+      </p:grpSpPr>
+      <p:pic>
+        <p:nvPicPr>
+          <p:cNvPr id="8" name="图片 7">
+            <a:extLst>
+              <a:ext uri="{FF2B5EF4-FFF2-40B4-BE49-F238E27FC236}">
+                <a16:creationId xmlns:a16="http://schemas.microsoft.com/office/drawing/2014/main" id="{720FB517-B432-D135-5A8D-FA5105ACB212}"/>
+              </a:ext>
+            </a:extLst>
+          </p:cNvPr>
+          <p:cNvPicPr>
+            <a:picLocks noChangeAspect="1"/>
+          </p:cNvPicPr>
+          <p:nvPr/>
+        </p:nvPicPr>
+        <p:blipFill>
+          <a:blip r:embed="rId2"/>
+          <a:stretch>
+            <a:fillRect/>
+          </a:stretch>
+        </p:blipFill>
+        <p:spPr>
+          <a:xfrm>
+            <a:off x="138545" y="895792"/>
+            <a:ext cx="9130145" cy="5066415"/>
+          </a:xfrm>
+          <a:prstGeom prst="rect">
+            <a:avLst/>
+          </a:prstGeom>
+        </p:spPr>
+      </p:pic>
+      <p:sp>
+        <p:nvSpPr>
+          <p:cNvPr id="9" name="标题 8">
+            <a:extLst>
+              <a:ext uri="{FF2B5EF4-FFF2-40B4-BE49-F238E27FC236}">
+                <a16:creationId xmlns:a16="http://schemas.microsoft.com/office/drawing/2014/main" id="{A8B7CC0A-787D-9B21-4523-85DA4676F3D9}"/>
+              </a:ext>
+            </a:extLst>
+          </p:cNvPr>
+          <p:cNvSpPr>
+            <a:spLocks noGrp="1"/>
+          </p:cNvSpPr>
+          <p:nvPr>
+            <p:ph type="title"/>
+          </p:nvPr>
+        </p:nvSpPr>
+        <p:spPr/>
+        <p:txBody>
+          <a:bodyPr/>
+          <a:lstStyle/>
+          <a:p>
+            <a:r>
+              <a:rPr lang="en-US" altLang="zh-CN" dirty="0"/>
+              <a:t>3 6Hz</a:t>
+            </a:r>
+            <a:endParaRPr lang="zh-CN" altLang="en-US" dirty="0"/>
+          </a:p>
+        </p:txBody>
+      </p:sp>
+      <p:pic>
+        <p:nvPicPr>
+          <p:cNvPr id="11" name="图片 10">
+            <a:extLst>
+              <a:ext uri="{FF2B5EF4-FFF2-40B4-BE49-F238E27FC236}">
+                <a16:creationId xmlns:a16="http://schemas.microsoft.com/office/drawing/2014/main" id="{80A0A5FB-8B03-5E1B-1708-7337FCFF0739}"/>
+              </a:ext>
+            </a:extLst>
+          </p:cNvPr>
+          <p:cNvPicPr>
+            <a:picLocks noChangeAspect="1"/>
+          </p:cNvPicPr>
+          <p:nvPr/>
+        </p:nvPicPr>
+        <p:blipFill>
+          <a:blip r:embed="rId3"/>
+          <a:stretch>
+            <a:fillRect/>
+          </a:stretch>
+        </p:blipFill>
+        <p:spPr>
+          <a:xfrm>
+            <a:off x="9048670" y="1336618"/>
+            <a:ext cx="3086259" cy="2203563"/>
+          </a:xfrm>
+          <a:prstGeom prst="rect">
+            <a:avLst/>
+          </a:prstGeom>
+        </p:spPr>
+      </p:pic>
+      <p:sp>
+        <p:nvSpPr>
+          <p:cNvPr id="12" name="文本框 11">
+            <a:extLst>
+              <a:ext uri="{FF2B5EF4-FFF2-40B4-BE49-F238E27FC236}">
+                <a16:creationId xmlns:a16="http://schemas.microsoft.com/office/drawing/2014/main" id="{274FF08C-485E-3C6C-E72D-6A9D67EED81D}"/>
+              </a:ext>
+            </a:extLst>
+          </p:cNvPr>
+          <p:cNvSpPr txBox="1"/>
+          <p:nvPr/>
+        </p:nvSpPr>
+        <p:spPr>
+          <a:xfrm>
+            <a:off x="1281546" y="5881256"/>
+            <a:ext cx="889987" cy="369332"/>
+          </a:xfrm>
+          <a:prstGeom prst="rect">
+            <a:avLst/>
+          </a:prstGeom>
+          <a:noFill/>
+        </p:spPr>
+        <p:txBody>
+          <a:bodyPr wrap="none" rtlCol="0">
+            <a:spAutoFit/>
+          </a:bodyPr>
+          <a:lstStyle/>
+          <a:p>
+            <a:r>
+              <a:rPr lang="zh-CN" altLang="en-US" dirty="0"/>
+              <a:t>样本</a:t>
+            </a:r>
+            <a:r>
+              <a:rPr lang="en-US" altLang="zh-CN" dirty="0"/>
+              <a:t>18</a:t>
+            </a:r>
+            <a:endParaRPr lang="zh-CN" altLang="en-US" dirty="0"/>
+          </a:p>
+        </p:txBody>
+      </p:sp>
+    </p:spTree>
+    <p:extLst>
+      <p:ext uri="{BB962C8B-B14F-4D97-AF65-F5344CB8AC3E}">
+        <p14:creationId xmlns:p14="http://schemas.microsoft.com/office/powerpoint/2010/main" val="1793057747"/>
+      </p:ext>
+    </p:extLst>
+  </p:cSld>
+  <p:clrMapOvr>
+    <a:masterClrMapping/>
+  </p:clrMapOvr>
+</p:sld>
+</file>
+
+<file path=ppt/slides/slide5.xml><?xml version="1.0" encoding="utf-8"?>
+<p:sld xmlns:a="http://schemas.openxmlformats.org/drawingml/2006/main" xmlns:r="http://schemas.openxmlformats.org/officeDocument/2006/relationships" xmlns:p="http://schemas.openxmlformats.org/presentationml/2006/main">
+  <p:cSld>
+    <p:spTree>
+      <p:nvGrpSpPr>
+        <p:cNvPr id="1" name=""/>
+        <p:cNvGrpSpPr/>
+        <p:nvPr/>
+      </p:nvGrpSpPr>
+      <p:grpSpPr>
+        <a:xfrm>
+          <a:off x="0" y="0"/>
+          <a:ext cx="0" cy="0"/>
+          <a:chOff x="0" y="0"/>
+          <a:chExt cx="0" cy="0"/>
+        </a:xfrm>
+      </p:grpSpPr>
+      <p:sp>
+        <p:nvSpPr>
+          <p:cNvPr id="8" name="标题 7"/>
+          <p:cNvSpPr>
+            <a:spLocks noGrp="1"/>
+          </p:cNvSpPr>
+          <p:nvPr>
+            <p:ph type="title"/>
+          </p:nvPr>
+        </p:nvSpPr>
+        <p:spPr/>
+        <p:txBody>
+          <a:bodyPr/>
+          <a:lstStyle/>
+          <a:p>
+            <a:r>
+              <a:rPr lang="en-US" altLang="zh-CN" dirty="0">
+                <a:sym typeface="Arial" panose="020B0604020202020204" pitchFamily="34" charset="0"/>
+              </a:rPr>
+              <a:t>4 10Hz</a:t>
+            </a:r>
+            <a:endParaRPr lang="zh-CN" altLang="en-US" dirty="0">
+              <a:sym typeface="Arial" panose="020B0604020202020204" pitchFamily="34" charset="0"/>
+            </a:endParaRPr>
+          </a:p>
+        </p:txBody>
+      </p:sp>
+      <p:sp>
+        <p:nvSpPr>
+          <p:cNvPr id="2" name="灯片编号占位符 1"/>
+          <p:cNvSpPr>
+            <a:spLocks noGrp="1"/>
+          </p:cNvSpPr>
+          <p:nvPr>
+            <p:ph type="sldNum" sz="quarter" idx="4"/>
+          </p:nvPr>
+        </p:nvSpPr>
+        <p:spPr/>
+        <p:txBody>
+          <a:bodyPr/>
+          <a:lstStyle/>
+          <a:p>
+            <a:r>
+              <a:rPr lang="en-US" altLang="zh-CN" dirty="0">
+                <a:sym typeface="Arial" panose="020B0604020202020204" pitchFamily="34" charset="0"/>
+              </a:rPr>
+              <a:t>&lt; </a:t>
+            </a:r>
+            <a:fld id="{A548B57D-AE10-4CF7-A9DF-59FEFA91B28E}" type="slidenum">
+              <a:rPr lang="zh-CN" altLang="en-US" smtClean="0">
+                <a:sym typeface="Arial" panose="020B0604020202020204" pitchFamily="34" charset="0"/>
+              </a:rPr>
+              <a:t>5</a:t>
+            </a:fld>
+            <a:r>
+              <a:rPr lang="zh-CN" altLang="en-US">
+                <a:sym typeface="Arial" panose="020B0604020202020204" pitchFamily="34" charset="0"/>
+              </a:rPr>
+              <a:t> </a:t>
+            </a:r>
+            <a:r>
+              <a:rPr lang="en-US" altLang="zh-CN" dirty="0">
+                <a:sym typeface="Arial" panose="020B0604020202020204" pitchFamily="34" charset="0"/>
+              </a:rPr>
+              <a:t>&gt;</a:t>
+            </a:r>
+            <a:endParaRPr lang="zh-CN" altLang="en-US" dirty="0">
+              <a:sym typeface="Arial" panose="020B0604020202020204" pitchFamily="34" charset="0"/>
+            </a:endParaRPr>
+          </a:p>
+        </p:txBody>
+      </p:sp>
+      <p:pic>
+        <p:nvPicPr>
+          <p:cNvPr id="6" name="图片 5">
+            <a:extLst>
+              <a:ext uri="{FF2B5EF4-FFF2-40B4-BE49-F238E27FC236}">
+                <a16:creationId xmlns:a16="http://schemas.microsoft.com/office/drawing/2014/main" id="{31205DDE-0932-C227-60D9-851FF51D2E5B}"/>
+              </a:ext>
+            </a:extLst>
+          </p:cNvPr>
+          <p:cNvPicPr>
+            <a:picLocks noChangeAspect="1"/>
+          </p:cNvPicPr>
+          <p:nvPr/>
+        </p:nvPicPr>
+        <p:blipFill>
+          <a:blip r:embed="rId3"/>
+          <a:stretch>
+            <a:fillRect/>
+          </a:stretch>
+        </p:blipFill>
+        <p:spPr>
+          <a:xfrm>
+            <a:off x="0" y="827233"/>
+            <a:ext cx="8733304" cy="4846204"/>
+          </a:xfrm>
+          <a:prstGeom prst="rect">
+            <a:avLst/>
+          </a:prstGeom>
+        </p:spPr>
+      </p:pic>
+      <p:sp>
+        <p:nvSpPr>
+          <p:cNvPr id="12" name="文本框 11">
+            <a:extLst>
+              <a:ext uri="{FF2B5EF4-FFF2-40B4-BE49-F238E27FC236}">
+                <a16:creationId xmlns:a16="http://schemas.microsoft.com/office/drawing/2014/main" id="{40EC248D-D959-F355-1AD7-4CA292CFD1FD}"/>
+              </a:ext>
+            </a:extLst>
+          </p:cNvPr>
+          <p:cNvSpPr txBox="1"/>
+          <p:nvPr/>
+        </p:nvSpPr>
+        <p:spPr>
+          <a:xfrm>
+            <a:off x="1281546" y="5881256"/>
+            <a:ext cx="889987" cy="369332"/>
+          </a:xfrm>
+          <a:prstGeom prst="rect">
+            <a:avLst/>
+          </a:prstGeom>
+          <a:noFill/>
+        </p:spPr>
+        <p:txBody>
+          <a:bodyPr wrap="none" rtlCol="0">
+            <a:spAutoFit/>
+          </a:bodyPr>
+          <a:lstStyle/>
+          <a:p>
+            <a:r>
+              <a:rPr lang="zh-CN" altLang="en-US" dirty="0"/>
+              <a:t>样本</a:t>
+            </a:r>
+            <a:r>
+              <a:rPr lang="en-US" altLang="zh-CN" dirty="0"/>
+              <a:t>18</a:t>
+            </a:r>
+            <a:endParaRPr lang="zh-CN" altLang="en-US" dirty="0"/>
+          </a:p>
+        </p:txBody>
+      </p:sp>
+      <p:pic>
+        <p:nvPicPr>
+          <p:cNvPr id="24" name="图片 23">
+            <a:extLst>
+              <a:ext uri="{FF2B5EF4-FFF2-40B4-BE49-F238E27FC236}">
+                <a16:creationId xmlns:a16="http://schemas.microsoft.com/office/drawing/2014/main" id="{8889787F-8EFA-F502-EAB6-A0777D38B114}"/>
+              </a:ext>
+            </a:extLst>
+          </p:cNvPr>
+          <p:cNvPicPr>
+            <a:picLocks noChangeAspect="1"/>
+          </p:cNvPicPr>
+          <p:nvPr/>
+        </p:nvPicPr>
+        <p:blipFill>
+          <a:blip r:embed="rId4"/>
+          <a:stretch>
+            <a:fillRect/>
+          </a:stretch>
+        </p:blipFill>
+        <p:spPr>
+          <a:xfrm>
+            <a:off x="8928610" y="3429000"/>
+            <a:ext cx="2578233" cy="2476627"/>
+          </a:xfrm>
+          <a:prstGeom prst="rect">
+            <a:avLst/>
+          </a:prstGeom>
+        </p:spPr>
+      </p:pic>
+      <p:pic>
+        <p:nvPicPr>
+          <p:cNvPr id="26" name="图片 25">
+            <a:extLst>
+              <a:ext uri="{FF2B5EF4-FFF2-40B4-BE49-F238E27FC236}">
+                <a16:creationId xmlns:a16="http://schemas.microsoft.com/office/drawing/2014/main" id="{3F535D63-B7E9-75A8-4709-574376858D3D}"/>
+              </a:ext>
+            </a:extLst>
+          </p:cNvPr>
+          <p:cNvPicPr>
+            <a:picLocks noChangeAspect="1"/>
+          </p:cNvPicPr>
+          <p:nvPr/>
+        </p:nvPicPr>
+        <p:blipFill>
+          <a:blip r:embed="rId5"/>
+          <a:stretch>
+            <a:fillRect/>
+          </a:stretch>
+        </p:blipFill>
+        <p:spPr>
+          <a:xfrm>
+            <a:off x="8733304" y="367366"/>
+            <a:ext cx="2917026" cy="2673487"/>
+          </a:xfrm>
+          <a:prstGeom prst="rect">
+            <a:avLst/>
+          </a:prstGeom>
+        </p:spPr>
+      </p:pic>
+    </p:spTree>
   </p:cSld>
   <p:clrMapOvr>
     <a:masterClrMapping/>
@@ -4083,4 +5265,299 @@
     </a:ext>
   </a:extLst>
 </a:theme>
+</file>
+
+<file path=ppt/theme/theme2.xml><?xml version="1.0" encoding="utf-8"?>
+<a:theme xmlns:a="http://schemas.openxmlformats.org/drawingml/2006/main" name="Office 主题​​">
+  <a:themeElements>
+    <a:clrScheme name="Office">
+      <a:dk1>
+        <a:sysClr val="windowText" lastClr="000000"/>
+      </a:dk1>
+      <a:lt1>
+        <a:sysClr val="window" lastClr="FFFFFF"/>
+      </a:lt1>
+      <a:dk2>
+        <a:srgbClr val="44546A"/>
+      </a:dk2>
+      <a:lt2>
+        <a:srgbClr val="E7E6E6"/>
+      </a:lt2>
+      <a:accent1>
+        <a:srgbClr val="4472C4"/>
+      </a:accent1>
+      <a:accent2>
+        <a:srgbClr val="ED7D31"/>
+      </a:accent2>
+      <a:accent3>
+        <a:srgbClr val="A5A5A5"/>
+      </a:accent3>
+      <a:accent4>
+        <a:srgbClr val="FFC000"/>
+      </a:accent4>
+      <a:accent5>
+        <a:srgbClr val="5B9BD5"/>
+      </a:accent5>
+      <a:accent6>
+        <a:srgbClr val="70AD47"/>
+      </a:accent6>
+      <a:hlink>
+        <a:srgbClr val="0563C1"/>
+      </a:hlink>
+      <a:folHlink>
+        <a:srgbClr val="954F72"/>
+      </a:folHlink>
+    </a:clrScheme>
+    <a:fontScheme name="Office">
+      <a:majorFont>
+        <a:latin typeface="等线 Light" panose="020F0302020204030204"/>
+        <a:ea typeface=""/>
+        <a:cs typeface=""/>
+        <a:font script="Jpan" typeface="游ゴシック Light"/>
+        <a:font script="Hang" typeface="맑은 고딕"/>
+        <a:font script="Hans" typeface="等线 Light"/>
+        <a:font script="Hant" typeface="新細明體"/>
+        <a:font script="Arab" typeface="Times New Roman"/>
+        <a:font script="Hebr" typeface="Times New Roman"/>
+        <a:font script="Thai" typeface="Angsana New"/>
+        <a:font script="Ethi" typeface="Nyala"/>
+        <a:font script="Beng" typeface="Vrinda"/>
+        <a:font script="Gujr" typeface="Shruti"/>
+        <a:font script="Khmr" typeface="MoolBoran"/>
+        <a:font script="Knda" typeface="Tunga"/>
+        <a:font script="Guru" typeface="Raavi"/>
+        <a:font script="Cans" typeface="Euphemia"/>
+        <a:font script="Cher" typeface="Plantagenet Cherokee"/>
+        <a:font script="Yiii" typeface="Microsoft Yi Baiti"/>
+        <a:font script="Tibt" typeface="Microsoft Himalaya"/>
+        <a:font script="Thaa" typeface="MV Boli"/>
+        <a:font script="Deva" typeface="Mangal"/>
+        <a:font script="Telu" typeface="Gautami"/>
+        <a:font script="Taml" typeface="Latha"/>
+        <a:font script="Syrc" typeface="Estrangelo Edessa"/>
+        <a:font script="Orya" typeface="Kalinga"/>
+        <a:font script="Mlym" typeface="Kartika"/>
+        <a:font script="Laoo" typeface="DokChampa"/>
+        <a:font script="Sinh" typeface="Iskoola Pota"/>
+        <a:font script="Mong" typeface="Mongolian Baiti"/>
+        <a:font script="Viet" typeface="Times New Roman"/>
+        <a:font script="Uigh" typeface="Microsoft Uighur"/>
+        <a:font script="Geor" typeface="Sylfaen"/>
+        <a:font script="Armn" typeface="Arial"/>
+        <a:font script="Bugi" typeface="Leelawadee UI"/>
+        <a:font script="Bopo" typeface="Microsoft JhengHei"/>
+        <a:font script="Java" typeface="Javanese Text"/>
+        <a:font script="Lisu" typeface="Segoe UI"/>
+        <a:font script="Mymr" typeface="Myanmar Text"/>
+        <a:font script="Nkoo" typeface="Ebrima"/>
+        <a:font script="Olck" typeface="Nirmala UI"/>
+        <a:font script="Osma" typeface="Ebrima"/>
+        <a:font script="Phag" typeface="Phagspa"/>
+        <a:font script="Syrn" typeface="Estrangelo Edessa"/>
+        <a:font script="Syrj" typeface="Estrangelo Edessa"/>
+        <a:font script="Syre" typeface="Estrangelo Edessa"/>
+        <a:font script="Sora" typeface="Nirmala UI"/>
+        <a:font script="Tale" typeface="Microsoft Tai Le"/>
+        <a:font script="Talu" typeface="Microsoft New Tai Lue"/>
+        <a:font script="Tfng" typeface="Ebrima"/>
+      </a:majorFont>
+      <a:minorFont>
+        <a:latin typeface="等线" panose="020F0502020204030204"/>
+        <a:ea typeface=""/>
+        <a:cs typeface=""/>
+        <a:font script="Jpan" typeface="游ゴシック"/>
+        <a:font script="Hang" typeface="맑은 고딕"/>
+        <a:font script="Hans" typeface="等线"/>
+        <a:font script="Hant" typeface="新細明體"/>
+        <a:font script="Arab" typeface="Arial"/>
+        <a:font script="Hebr" typeface="Arial"/>
+        <a:font script="Thai" typeface="Cordia New"/>
+        <a:font script="Ethi" typeface="Nyala"/>
+        <a:font script="Beng" typeface="Vrinda"/>
+        <a:font script="Gujr" typeface="Shruti"/>
+        <a:font script="Khmr" typeface="DaunPenh"/>
+        <a:font script="Knda" typeface="Tunga"/>
+        <a:font script="Guru" typeface="Raavi"/>
+        <a:font script="Cans" typeface="Euphemia"/>
+        <a:font script="Cher" typeface="Plantagenet Cherokee"/>
+        <a:font script="Yiii" typeface="Microsoft Yi Baiti"/>
+        <a:font script="Tibt" typeface="Microsoft Himalaya"/>
+        <a:font script="Thaa" typeface="MV Boli"/>
+        <a:font script="Deva" typeface="Mangal"/>
+        <a:font script="Telu" typeface="Gautami"/>
+        <a:font script="Taml" typeface="Latha"/>
+        <a:font script="Syrc" typeface="Estrangelo Edessa"/>
+        <a:font script="Orya" typeface="Kalinga"/>
+        <a:font script="Mlym" typeface="Kartika"/>
+        <a:font script="Laoo" typeface="DokChampa"/>
+        <a:font script="Sinh" typeface="Iskoola Pota"/>
+        <a:font script="Mong" typeface="Mongolian Baiti"/>
+        <a:font script="Viet" typeface="Arial"/>
+        <a:font script="Uigh" typeface="Microsoft Uighur"/>
+        <a:font script="Geor" typeface="Sylfaen"/>
+        <a:font script="Armn" typeface="Arial"/>
+        <a:font script="Bugi" typeface="Leelawadee UI"/>
+        <a:font script="Bopo" typeface="Microsoft JhengHei"/>
+        <a:font script="Java" typeface="Javanese Text"/>
+        <a:font script="Lisu" typeface="Segoe UI"/>
+        <a:font script="Mymr" typeface="Myanmar Text"/>
+        <a:font script="Nkoo" typeface="Ebrima"/>
+        <a:font script="Olck" typeface="Nirmala UI"/>
+        <a:font script="Osma" typeface="Ebrima"/>
+        <a:font script="Phag" typeface="Phagspa"/>
+        <a:font script="Syrn" typeface="Estrangelo Edessa"/>
+        <a:font script="Syrj" typeface="Estrangelo Edessa"/>
+        <a:font script="Syre" typeface="Estrangelo Edessa"/>
+        <a:font script="Sora" typeface="Nirmala UI"/>
+        <a:font script="Tale" typeface="Microsoft Tai Le"/>
+        <a:font script="Talu" typeface="Microsoft New Tai Lue"/>
+        <a:font script="Tfng" typeface="Ebrima"/>
+      </a:minorFont>
+    </a:fontScheme>
+    <a:fmtScheme name="Office">
+      <a:fillStyleLst>
+        <a:solidFill>
+          <a:schemeClr val="phClr"/>
+        </a:solidFill>
+        <a:gradFill rotWithShape="1">
+          <a:gsLst>
+            <a:gs pos="0">
+              <a:schemeClr val="phClr">
+                <a:lumMod val="110000"/>
+                <a:satMod val="105000"/>
+                <a:tint val="67000"/>
+              </a:schemeClr>
+            </a:gs>
+            <a:gs pos="50000">
+              <a:schemeClr val="phClr">
+                <a:lumMod val="105000"/>
+                <a:satMod val="103000"/>
+                <a:tint val="73000"/>
+              </a:schemeClr>
+            </a:gs>
+            <a:gs pos="100000">
+              <a:schemeClr val="phClr">
+                <a:lumMod val="105000"/>
+                <a:satMod val="109000"/>
+                <a:tint val="81000"/>
+              </a:schemeClr>
+            </a:gs>
+          </a:gsLst>
+          <a:lin ang="5400000" scaled="0"/>
+        </a:gradFill>
+        <a:gradFill rotWithShape="1">
+          <a:gsLst>
+            <a:gs pos="0">
+              <a:schemeClr val="phClr">
+                <a:satMod val="103000"/>
+                <a:lumMod val="102000"/>
+                <a:tint val="94000"/>
+              </a:schemeClr>
+            </a:gs>
+            <a:gs pos="50000">
+              <a:schemeClr val="phClr">
+                <a:satMod val="110000"/>
+                <a:lumMod val="100000"/>
+                <a:shade val="100000"/>
+              </a:schemeClr>
+            </a:gs>
+            <a:gs pos="100000">
+              <a:schemeClr val="phClr">
+                <a:lumMod val="99000"/>
+                <a:satMod val="120000"/>
+                <a:shade val="78000"/>
+              </a:schemeClr>
+            </a:gs>
+          </a:gsLst>
+          <a:lin ang="5400000" scaled="0"/>
+        </a:gradFill>
+      </a:fillStyleLst>
+      <a:lnStyleLst>
+        <a:ln w="6350" cap="flat" cmpd="sng" algn="ctr">
+          <a:solidFill>
+            <a:schemeClr val="phClr"/>
+          </a:solidFill>
+          <a:prstDash val="solid"/>
+          <a:miter lim="800000"/>
+        </a:ln>
+        <a:ln w="12700" cap="flat" cmpd="sng" algn="ctr">
+          <a:solidFill>
+            <a:schemeClr val="phClr"/>
+          </a:solidFill>
+          <a:prstDash val="solid"/>
+          <a:miter lim="800000"/>
+        </a:ln>
+        <a:ln w="19050" cap="flat" cmpd="sng" algn="ctr">
+          <a:solidFill>
+            <a:schemeClr val="phClr"/>
+          </a:solidFill>
+          <a:prstDash val="solid"/>
+          <a:miter lim="800000"/>
+        </a:ln>
+      </a:lnStyleLst>
+      <a:effectStyleLst>
+        <a:effectStyle>
+          <a:effectLst/>
+        </a:effectStyle>
+        <a:effectStyle>
+          <a:effectLst/>
+        </a:effectStyle>
+        <a:effectStyle>
+          <a:effectLst>
+            <a:outerShdw blurRad="57150" dist="19050" dir="5400000" algn="ctr" rotWithShape="0">
+              <a:srgbClr val="000000">
+                <a:alpha val="63000"/>
+              </a:srgbClr>
+            </a:outerShdw>
+          </a:effectLst>
+        </a:effectStyle>
+      </a:effectStyleLst>
+      <a:bgFillStyleLst>
+        <a:solidFill>
+          <a:schemeClr val="phClr"/>
+        </a:solidFill>
+        <a:solidFill>
+          <a:schemeClr val="phClr">
+            <a:tint val="95000"/>
+            <a:satMod val="170000"/>
+          </a:schemeClr>
+        </a:solidFill>
+        <a:gradFill rotWithShape="1">
+          <a:gsLst>
+            <a:gs pos="0">
+              <a:schemeClr val="phClr">
+                <a:tint val="93000"/>
+                <a:satMod val="150000"/>
+                <a:shade val="98000"/>
+                <a:lumMod val="102000"/>
+              </a:schemeClr>
+            </a:gs>
+            <a:gs pos="50000">
+              <a:schemeClr val="phClr">
+                <a:tint val="98000"/>
+                <a:satMod val="130000"/>
+                <a:shade val="90000"/>
+                <a:lumMod val="103000"/>
+              </a:schemeClr>
+            </a:gs>
+            <a:gs pos="100000">
+              <a:schemeClr val="phClr">
+                <a:shade val="63000"/>
+                <a:satMod val="120000"/>
+              </a:schemeClr>
+            </a:gs>
+          </a:gsLst>
+          <a:lin ang="5400000" scaled="0"/>
+        </a:gradFill>
+      </a:bgFillStyleLst>
+    </a:fmtScheme>
+  </a:themeElements>
+  <a:objectDefaults/>
+  <a:extraClrSchemeLst/>
+  <a:extLst>
+    <a:ext uri="{05A4C25C-085E-4340-85A3-A5531E510DB2}">
+      <thm15:themeFamily xmlns:thm15="http://schemas.microsoft.com/office/thememl/2012/main" name="Office Theme" id="{62F939B6-93AF-4DB8-9C6B-D6C7DFDC589F}" vid="{4A3C46E8-61CC-4603-A589-7422A47A8E4A}"/>
+    </a:ext>
+  </a:extLst>
+</a:theme>
 </file>